--- a/files/sysu-dcs290/project2-qa.pptx
+++ b/files/sysu-dcs290/project2-qa.pptx
@@ -7,32 +7,33 @@
   <p:sldIdLst>
     <p:sldId id="256" r:id="rId2"/>
     <p:sldId id="260" r:id="rId3"/>
-    <p:sldId id="257" r:id="rId4"/>
-    <p:sldId id="259" r:id="rId5"/>
-    <p:sldId id="258" r:id="rId6"/>
-    <p:sldId id="261" r:id="rId7"/>
-    <p:sldId id="262" r:id="rId8"/>
-    <p:sldId id="264" r:id="rId9"/>
-    <p:sldId id="263" r:id="rId10"/>
+    <p:sldId id="265" r:id="rId4"/>
+    <p:sldId id="257" r:id="rId5"/>
+    <p:sldId id="259" r:id="rId6"/>
+    <p:sldId id="258" r:id="rId7"/>
+    <p:sldId id="261" r:id="rId8"/>
+    <p:sldId id="262" r:id="rId9"/>
+    <p:sldId id="264" r:id="rId10"/>
+    <p:sldId id="263" r:id="rId11"/>
   </p:sldIdLst>
   <p:sldSz cx="12192000" cy="6858000"/>
   <p:notesSz cx="6858000" cy="9144000"/>
   <p:embeddedFontLst>
     <p:embeddedFont>
+      <p:font typeface="Source Code Pro" panose="020B0509030403020204" pitchFamily="49" charset="0"/>
+      <p:regular r:id="rId12"/>
+      <p:bold r:id="rId13"/>
+      <p:italic r:id="rId14"/>
+      <p:boldItalic r:id="rId15"/>
+    </p:embeddedFont>
+    <p:embeddedFont>
       <p:font typeface="等线" panose="02010600030101010101" pitchFamily="2" charset="-122"/>
-      <p:regular r:id="rId11"/>
-      <p:bold r:id="rId12"/>
+      <p:regular r:id="rId16"/>
+      <p:bold r:id="rId17"/>
     </p:embeddedFont>
     <p:embeddedFont>
       <p:font typeface="等线 Light" panose="02010600030101010101" pitchFamily="2" charset="-122"/>
-      <p:regular r:id="rId13"/>
-    </p:embeddedFont>
-    <p:embeddedFont>
-      <p:font typeface="Source Code Pro" panose="020B0509030403020204" pitchFamily="49" charset="0"/>
-      <p:regular r:id="rId14"/>
-      <p:bold r:id="rId15"/>
-      <p:italic r:id="rId16"/>
-      <p:boldItalic r:id="rId17"/>
+      <p:regular r:id="rId18"/>
     </p:embeddedFont>
   </p:embeddedFontLst>
   <p:defaultTextStyle>
@@ -130,6 +131,11 @@
       </a:defRPr>
     </a:lvl9pPr>
   </p:defaultTextStyle>
+  <p:extLst>
+    <p:ext uri="{EFAFB233-063F-42B5-8137-9DF3F51BA10A}">
+      <p15:sldGuideLst xmlns:p15="http://schemas.microsoft.com/office/powerpoint/2012/main"/>
+    </p:ext>
+  </p:extLst>
 </p:presentation>
 </file>
 
@@ -3509,10 +3515,219 @@
           </a:p>
         </p:txBody>
       </p:sp>
+      <p:sp>
+        <p:nvSpPr>
+          <p:cNvPr id="6" name="文本框 5">
+            <a:extLst>
+              <a:ext uri="{FF2B5EF4-FFF2-40B4-BE49-F238E27FC236}">
+                <a16:creationId xmlns:a16="http://schemas.microsoft.com/office/drawing/2014/main" id="{A4B31086-2638-4C8E-BC73-887FE9E93518}"/>
+              </a:ext>
+            </a:extLst>
+          </p:cNvPr>
+          <p:cNvSpPr txBox="1"/>
+          <p:nvPr/>
+        </p:nvSpPr>
+        <p:spPr>
+          <a:xfrm>
+            <a:off x="0" y="6604779"/>
+            <a:ext cx="1224793" cy="261610"/>
+          </a:xfrm>
+          <a:prstGeom prst="rect">
+            <a:avLst/>
+          </a:prstGeom>
+          <a:noFill/>
+        </p:spPr>
+        <p:txBody>
+          <a:bodyPr wrap="square" rtlCol="0">
+            <a:spAutoFit/>
+          </a:bodyPr>
+          <a:lstStyle/>
+          <a:p>
+            <a:r>
+              <a:rPr lang="en-US" altLang="zh-CN" sz="1050" dirty="0">
+                <a:solidFill>
+                  <a:schemeClr val="bg1">
+                    <a:lumMod val="85000"/>
+                  </a:schemeClr>
+                </a:solidFill>
+              </a:rPr>
+              <a:t>Version 2</a:t>
+            </a:r>
+            <a:endParaRPr lang="zh-CN" altLang="en-US" sz="1050" dirty="0">
+              <a:solidFill>
+                <a:schemeClr val="bg1">
+                  <a:lumMod val="85000"/>
+                </a:schemeClr>
+              </a:solidFill>
+            </a:endParaRPr>
+          </a:p>
+        </p:txBody>
+      </p:sp>
     </p:spTree>
     <p:extLst>
       <p:ext uri="{BB962C8B-B14F-4D97-AF65-F5344CB8AC3E}">
         <p14:creationId xmlns:p14="http://schemas.microsoft.com/office/powerpoint/2010/main" val="1577488711"/>
+      </p:ext>
+    </p:extLst>
+  </p:cSld>
+  <p:clrMapOvr>
+    <a:masterClrMapping/>
+  </p:clrMapOvr>
+</p:sld>
+</file>
+
+<file path=ppt/slides/slide10.xml><?xml version="1.0" encoding="utf-8"?>
+<p:sld xmlns:a="http://schemas.openxmlformats.org/drawingml/2006/main" xmlns:r="http://schemas.openxmlformats.org/officeDocument/2006/relationships" xmlns:p="http://schemas.openxmlformats.org/presentationml/2006/main">
+  <p:cSld>
+    <p:spTree>
+      <p:nvGrpSpPr>
+        <p:cNvPr id="1" name=""/>
+        <p:cNvGrpSpPr/>
+        <p:nvPr/>
+      </p:nvGrpSpPr>
+      <p:grpSpPr>
+        <a:xfrm>
+          <a:off x="0" y="0"/>
+          <a:ext cx="0" cy="0"/>
+          <a:chOff x="0" y="0"/>
+          <a:chExt cx="0" cy="0"/>
+        </a:xfrm>
+      </p:grpSpPr>
+      <p:sp>
+        <p:nvSpPr>
+          <p:cNvPr id="2" name="标题 1">
+            <a:extLst>
+              <a:ext uri="{FF2B5EF4-FFF2-40B4-BE49-F238E27FC236}">
+                <a16:creationId xmlns:a16="http://schemas.microsoft.com/office/drawing/2014/main" id="{5215D7A1-448E-4102-9669-55422961FDB6}"/>
+              </a:ext>
+            </a:extLst>
+          </p:cNvPr>
+          <p:cNvSpPr>
+            <a:spLocks noGrp="1"/>
+          </p:cNvSpPr>
+          <p:nvPr>
+            <p:ph type="title"/>
+          </p:nvPr>
+        </p:nvSpPr>
+        <p:spPr/>
+        <p:txBody>
+          <a:bodyPr/>
+          <a:lstStyle/>
+          <a:p>
+            <a:r>
+              <a:rPr lang="en-US" altLang="zh-CN" dirty="0"/>
+              <a:t>Thanks</a:t>
+            </a:r>
+            <a:endParaRPr lang="zh-CN" altLang="en-US" dirty="0"/>
+          </a:p>
+        </p:txBody>
+      </p:sp>
+      <p:pic>
+        <p:nvPicPr>
+          <p:cNvPr id="4" name="Picture 2" descr="https://raw.githubusercontent.com/ziyan-wang/ziyan-wang.github.io/master/icons/android-chrome-256x256.png">
+            <a:hlinkClick r:id="rId2"/>
+            <a:extLst>
+              <a:ext uri="{FF2B5EF4-FFF2-40B4-BE49-F238E27FC236}">
+                <a16:creationId xmlns:a16="http://schemas.microsoft.com/office/drawing/2014/main" id="{559B30F9-0027-400E-8677-836A8854538A}"/>
+              </a:ext>
+            </a:extLst>
+          </p:cNvPr>
+          <p:cNvPicPr>
+            <a:picLocks noChangeAspect="1" noChangeArrowheads="1"/>
+          </p:cNvPicPr>
+          <p:nvPr/>
+        </p:nvPicPr>
+        <p:blipFill>
+          <a:blip r:embed="rId3">
+            <a:extLst>
+              <a:ext uri="{28A0092B-C50C-407E-A947-70E740481C1C}">
+                <a14:useLocalDpi xmlns:a14="http://schemas.microsoft.com/office/drawing/2010/main" val="0"/>
+              </a:ext>
+            </a:extLst>
+          </a:blip>
+          <a:srcRect/>
+          <a:stretch>
+            <a:fillRect/>
+          </a:stretch>
+        </p:blipFill>
+        <p:spPr bwMode="auto">
+          <a:xfrm>
+            <a:off x="11145835" y="221609"/>
+            <a:ext cx="791697" cy="791697"/>
+          </a:xfrm>
+          <a:prstGeom prst="rect">
+            <a:avLst/>
+          </a:prstGeom>
+          <a:noFill/>
+          <a:extLst>
+            <a:ext uri="{909E8E84-426E-40DD-AFC4-6F175D3DCCD1}">
+              <a14:hiddenFill xmlns:a14="http://schemas.microsoft.com/office/drawing/2010/main">
+                <a:solidFill>
+                  <a:srgbClr val="FFFFFF"/>
+                </a:solidFill>
+              </a14:hiddenFill>
+            </a:ext>
+          </a:extLst>
+        </p:spPr>
+      </p:pic>
+      <p:sp>
+        <p:nvSpPr>
+          <p:cNvPr id="5" name="文本框 4">
+            <a:hlinkClick r:id="rId2"/>
+            <a:extLst>
+              <a:ext uri="{FF2B5EF4-FFF2-40B4-BE49-F238E27FC236}">
+                <a16:creationId xmlns:a16="http://schemas.microsoft.com/office/drawing/2014/main" id="{94665E27-F962-4B42-B224-51F0AD1F9FEB}"/>
+              </a:ext>
+            </a:extLst>
+          </p:cNvPr>
+          <p:cNvSpPr txBox="1"/>
+          <p:nvPr/>
+        </p:nvSpPr>
+        <p:spPr>
+          <a:xfrm>
+            <a:off x="10986444" y="1013306"/>
+            <a:ext cx="1118870" cy="261610"/>
+          </a:xfrm>
+          <a:prstGeom prst="rect">
+            <a:avLst/>
+          </a:prstGeom>
+          <a:noFill/>
+        </p:spPr>
+        <p:txBody>
+          <a:bodyPr wrap="square" rtlCol="0">
+            <a:spAutoFit/>
+          </a:bodyPr>
+          <a:lstStyle/>
+          <a:p>
+            <a:pPr algn="ctr"/>
+            <a:r>
+              <a:rPr lang="en-US" altLang="zh-CN" sz="1050" dirty="0" err="1">
+                <a:solidFill>
+                  <a:srgbClr val="7030A0"/>
+                </a:solidFill>
+              </a:rPr>
+              <a:t>Ziyan</a:t>
+            </a:r>
+            <a:r>
+              <a:rPr lang="en-US" altLang="zh-CN" sz="1050" dirty="0">
+                <a:solidFill>
+                  <a:srgbClr val="7030A0"/>
+                </a:solidFill>
+              </a:rPr>
+              <a:t> Wang</a:t>
+            </a:r>
+            <a:endParaRPr lang="zh-CN" altLang="en-US" sz="1050" dirty="0">
+              <a:solidFill>
+                <a:srgbClr val="7030A0"/>
+              </a:solidFill>
+            </a:endParaRPr>
+          </a:p>
+        </p:txBody>
+      </p:sp>
+    </p:spTree>
+    <p:extLst>
+      <p:ext uri="{BB962C8B-B14F-4D97-AF65-F5344CB8AC3E}">
+        <p14:creationId xmlns:p14="http://schemas.microsoft.com/office/powerpoint/2010/main" val="3611142734"/>
       </p:ext>
     </p:extLst>
   </p:cSld>
@@ -3992,6 +4207,437 @@
           <a:chExt cx="0" cy="0"/>
         </a:xfrm>
       </p:grpSpPr>
+      <p:pic>
+        <p:nvPicPr>
+          <p:cNvPr id="7" name="图片 6">
+            <a:extLst>
+              <a:ext uri="{FF2B5EF4-FFF2-40B4-BE49-F238E27FC236}">
+                <a16:creationId xmlns:a16="http://schemas.microsoft.com/office/drawing/2014/main" id="{387C78C6-BDB0-458C-8813-0C801E0AF6C1}"/>
+              </a:ext>
+            </a:extLst>
+          </p:cNvPr>
+          <p:cNvPicPr>
+            <a:picLocks noChangeAspect="1"/>
+          </p:cNvPicPr>
+          <p:nvPr/>
+        </p:nvPicPr>
+        <p:blipFill>
+          <a:blip r:embed="rId2"/>
+          <a:stretch>
+            <a:fillRect/>
+          </a:stretch>
+        </p:blipFill>
+        <p:spPr>
+          <a:xfrm>
+            <a:off x="941418" y="1477926"/>
+            <a:ext cx="9058260" cy="3663058"/>
+          </a:xfrm>
+          <a:prstGeom prst="rect">
+            <a:avLst/>
+          </a:prstGeom>
+        </p:spPr>
+      </p:pic>
+      <p:sp>
+        <p:nvSpPr>
+          <p:cNvPr id="2" name="标题 1">
+            <a:extLst>
+              <a:ext uri="{FF2B5EF4-FFF2-40B4-BE49-F238E27FC236}">
+                <a16:creationId xmlns:a16="http://schemas.microsoft.com/office/drawing/2014/main" id="{D53E53DB-EF43-436E-9D46-410D3F1ADF73}"/>
+              </a:ext>
+            </a:extLst>
+          </p:cNvPr>
+          <p:cNvSpPr>
+            <a:spLocks noGrp="1"/>
+          </p:cNvSpPr>
+          <p:nvPr>
+            <p:ph type="title"/>
+          </p:nvPr>
+        </p:nvSpPr>
+        <p:spPr/>
+        <p:txBody>
+          <a:bodyPr/>
+          <a:lstStyle/>
+          <a:p>
+            <a:r>
+              <a:rPr lang="zh-CN" altLang="en-US" dirty="0"/>
+              <a:t>修正第二处错误（附录</a:t>
+            </a:r>
+            <a:r>
+              <a:rPr lang="en-US" altLang="zh-CN" dirty="0"/>
+              <a:t>B-5</a:t>
+            </a:r>
+            <a:r>
+              <a:rPr lang="zh-CN" altLang="en-US" dirty="0"/>
+              <a:t>）</a:t>
+            </a:r>
+          </a:p>
+        </p:txBody>
+      </p:sp>
+      <p:pic>
+        <p:nvPicPr>
+          <p:cNvPr id="10" name="图片 9">
+            <a:extLst>
+              <a:ext uri="{FF2B5EF4-FFF2-40B4-BE49-F238E27FC236}">
+                <a16:creationId xmlns:a16="http://schemas.microsoft.com/office/drawing/2014/main" id="{662EE70D-BD99-475E-8F81-2510D36A2F0A}"/>
+              </a:ext>
+            </a:extLst>
+          </p:cNvPr>
+          <p:cNvPicPr>
+            <a:picLocks noChangeAspect="1"/>
+          </p:cNvPicPr>
+          <p:nvPr/>
+        </p:nvPicPr>
+        <p:blipFill>
+          <a:blip r:embed="rId3"/>
+          <a:stretch>
+            <a:fillRect/>
+          </a:stretch>
+        </p:blipFill>
+        <p:spPr>
+          <a:xfrm>
+            <a:off x="8513901" y="4805491"/>
+            <a:ext cx="3163596" cy="1832929"/>
+          </a:xfrm>
+          <a:prstGeom prst="rect">
+            <a:avLst/>
+          </a:prstGeom>
+        </p:spPr>
+      </p:pic>
+      <p:sp>
+        <p:nvSpPr>
+          <p:cNvPr id="11" name="乘号 10">
+            <a:extLst>
+              <a:ext uri="{FF2B5EF4-FFF2-40B4-BE49-F238E27FC236}">
+                <a16:creationId xmlns:a16="http://schemas.microsoft.com/office/drawing/2014/main" id="{199B0EC4-1BA1-4AA9-A6D1-26E433571FCB}"/>
+              </a:ext>
+            </a:extLst>
+          </p:cNvPr>
+          <p:cNvSpPr/>
+          <p:nvPr/>
+        </p:nvSpPr>
+        <p:spPr>
+          <a:xfrm>
+            <a:off x="6249799" y="4991358"/>
+            <a:ext cx="681574" cy="681574"/>
+          </a:xfrm>
+          <a:prstGeom prst="mathMultiply">
+            <a:avLst>
+              <a:gd name="adj1" fmla="val 19309"/>
+            </a:avLst>
+          </a:prstGeom>
+          <a:solidFill>
+            <a:srgbClr val="ED7D31">
+              <a:alpha val="50196"/>
+            </a:srgbClr>
+          </a:solidFill>
+        </p:spPr>
+        <p:style>
+          <a:lnRef idx="2">
+            <a:schemeClr val="accent2">
+              <a:shade val="50000"/>
+            </a:schemeClr>
+          </a:lnRef>
+          <a:fillRef idx="1">
+            <a:schemeClr val="accent2"/>
+          </a:fillRef>
+          <a:effectRef idx="0">
+            <a:schemeClr val="accent2"/>
+          </a:effectRef>
+          <a:fontRef idx="minor">
+            <a:schemeClr val="lt1"/>
+          </a:fontRef>
+        </p:style>
+        <p:txBody>
+          <a:bodyPr rtlCol="0" anchor="ctr"/>
+          <a:lstStyle/>
+          <a:p>
+            <a:pPr algn="ctr"/>
+            <a:endParaRPr lang="zh-CN" altLang="en-US"/>
+          </a:p>
+        </p:txBody>
+      </p:sp>
+      <p:sp>
+        <p:nvSpPr>
+          <p:cNvPr id="12" name="矩形 11">
+            <a:extLst>
+              <a:ext uri="{FF2B5EF4-FFF2-40B4-BE49-F238E27FC236}">
+                <a16:creationId xmlns:a16="http://schemas.microsoft.com/office/drawing/2014/main" id="{CC138D27-F801-49D9-8104-08AA633CC404}"/>
+              </a:ext>
+            </a:extLst>
+          </p:cNvPr>
+          <p:cNvSpPr/>
+          <p:nvPr/>
+        </p:nvSpPr>
+        <p:spPr>
+          <a:xfrm>
+            <a:off x="5487326" y="4087412"/>
+            <a:ext cx="2264102" cy="1188509"/>
+          </a:xfrm>
+          <a:prstGeom prst="rect">
+            <a:avLst/>
+          </a:prstGeom>
+          <a:noFill/>
+        </p:spPr>
+        <p:style>
+          <a:lnRef idx="2">
+            <a:schemeClr val="accent2"/>
+          </a:lnRef>
+          <a:fillRef idx="1">
+            <a:schemeClr val="lt1"/>
+          </a:fillRef>
+          <a:effectRef idx="0">
+            <a:schemeClr val="accent2"/>
+          </a:effectRef>
+          <a:fontRef idx="minor">
+            <a:schemeClr val="dk1"/>
+          </a:fontRef>
+        </p:style>
+        <p:txBody>
+          <a:bodyPr rtlCol="0" anchor="ctr"/>
+          <a:lstStyle/>
+          <a:p>
+            <a:pPr algn="ctr"/>
+            <a:endParaRPr lang="zh-CN" altLang="en-US"/>
+          </a:p>
+        </p:txBody>
+      </p:sp>
+      <p:cxnSp>
+        <p:nvCxnSpPr>
+          <p:cNvPr id="14" name="直接箭头连接符 13">
+            <a:extLst>
+              <a:ext uri="{FF2B5EF4-FFF2-40B4-BE49-F238E27FC236}">
+                <a16:creationId xmlns:a16="http://schemas.microsoft.com/office/drawing/2014/main" id="{0847F747-F685-40D8-B512-DA862798363A}"/>
+              </a:ext>
+            </a:extLst>
+          </p:cNvPr>
+          <p:cNvCxnSpPr>
+            <a:stCxn id="12" idx="3"/>
+          </p:cNvCxnSpPr>
+          <p:nvPr/>
+        </p:nvCxnSpPr>
+        <p:spPr>
+          <a:xfrm>
+            <a:off x="7751428" y="4681667"/>
+            <a:ext cx="734500" cy="513091"/>
+          </a:xfrm>
+          <a:prstGeom prst="straightConnector1">
+            <a:avLst/>
+          </a:prstGeom>
+          <a:ln>
+            <a:tailEnd type="triangle"/>
+          </a:ln>
+        </p:spPr>
+        <p:style>
+          <a:lnRef idx="1">
+            <a:schemeClr val="accent2"/>
+          </a:lnRef>
+          <a:fillRef idx="0">
+            <a:schemeClr val="accent2"/>
+          </a:fillRef>
+          <a:effectRef idx="0">
+            <a:schemeClr val="accent2"/>
+          </a:effectRef>
+          <a:fontRef idx="minor">
+            <a:schemeClr val="tx1"/>
+          </a:fontRef>
+        </p:style>
+      </p:cxnSp>
+      <p:sp>
+        <p:nvSpPr>
+          <p:cNvPr id="15" name="矩形 14">
+            <a:extLst>
+              <a:ext uri="{FF2B5EF4-FFF2-40B4-BE49-F238E27FC236}">
+                <a16:creationId xmlns:a16="http://schemas.microsoft.com/office/drawing/2014/main" id="{B4C707D3-A320-4A81-9226-9331580D919B}"/>
+              </a:ext>
+            </a:extLst>
+          </p:cNvPr>
+          <p:cNvSpPr/>
+          <p:nvPr/>
+        </p:nvSpPr>
+        <p:spPr>
+          <a:xfrm>
+            <a:off x="8499211" y="4681666"/>
+            <a:ext cx="3295710" cy="2012749"/>
+          </a:xfrm>
+          <a:prstGeom prst="rect">
+            <a:avLst/>
+          </a:prstGeom>
+          <a:noFill/>
+        </p:spPr>
+        <p:style>
+          <a:lnRef idx="2">
+            <a:schemeClr val="accent5"/>
+          </a:lnRef>
+          <a:fillRef idx="1">
+            <a:schemeClr val="lt1"/>
+          </a:fillRef>
+          <a:effectRef idx="0">
+            <a:schemeClr val="accent5"/>
+          </a:effectRef>
+          <a:fontRef idx="minor">
+            <a:schemeClr val="dk1"/>
+          </a:fontRef>
+        </p:style>
+        <p:txBody>
+          <a:bodyPr rtlCol="0" anchor="ctr"/>
+          <a:lstStyle/>
+          <a:p>
+            <a:pPr algn="ctr"/>
+            <a:endParaRPr lang="zh-CN" altLang="en-US"/>
+          </a:p>
+        </p:txBody>
+      </p:sp>
+      <p:sp>
+        <p:nvSpPr>
+          <p:cNvPr id="18" name="矩形 17">
+            <a:extLst>
+              <a:ext uri="{FF2B5EF4-FFF2-40B4-BE49-F238E27FC236}">
+                <a16:creationId xmlns:a16="http://schemas.microsoft.com/office/drawing/2014/main" id="{8133ED76-4212-420B-8A12-70E5A23ACDA5}"/>
+              </a:ext>
+            </a:extLst>
+          </p:cNvPr>
+          <p:cNvSpPr/>
+          <p:nvPr/>
+        </p:nvSpPr>
+        <p:spPr>
+          <a:xfrm>
+            <a:off x="941418" y="4733743"/>
+            <a:ext cx="6096000" cy="646331"/>
+          </a:xfrm>
+          <a:prstGeom prst="rect">
+            <a:avLst/>
+          </a:prstGeom>
+        </p:spPr>
+        <p:txBody>
+          <a:bodyPr>
+            <a:spAutoFit/>
+          </a:bodyPr>
+          <a:lstStyle/>
+          <a:p>
+            <a:r>
+              <a:rPr lang="zh-CN" altLang="en-US" dirty="0"/>
+              <a:t>a[1][2][3] = 100;</a:t>
+            </a:r>
+          </a:p>
+          <a:p>
+            <a:r>
+              <a:rPr lang="zh-CN" altLang="en-US" dirty="0"/>
+              <a:t>a[1, 2, 3] = 100;</a:t>
+            </a:r>
+          </a:p>
+        </p:txBody>
+      </p:sp>
+    </p:spTree>
+    <p:extLst>
+      <p:ext uri="{BB962C8B-B14F-4D97-AF65-F5344CB8AC3E}">
+        <p14:creationId xmlns:p14="http://schemas.microsoft.com/office/powerpoint/2010/main" val="1903658593"/>
+      </p:ext>
+    </p:extLst>
+  </p:cSld>
+  <p:clrMapOvr>
+    <a:masterClrMapping/>
+  </p:clrMapOvr>
+  <p:timing>
+    <p:tnLst>
+      <p:par>
+        <p:cTn id="1" dur="indefinite" restart="never" nodeType="tmRoot">
+          <p:childTnLst>
+            <p:seq concurrent="1" nextAc="seek">
+              <p:cTn id="2" dur="indefinite" nodeType="mainSeq">
+                <p:childTnLst>
+                  <p:par>
+                    <p:cTn id="3" fill="hold">
+                      <p:stCondLst>
+                        <p:cond delay="indefinite"/>
+                        <p:cond evt="onBegin" delay="0">
+                          <p:tn val="2"/>
+                        </p:cond>
+                      </p:stCondLst>
+                      <p:childTnLst>
+                        <p:par>
+                          <p:cTn id="4" fill="hold">
+                            <p:stCondLst>
+                              <p:cond delay="0"/>
+                            </p:stCondLst>
+                            <p:childTnLst>
+                              <p:par>
+                                <p:cTn id="5" presetID="1" presetClass="entr" presetSubtype="0" fill="hold" grpId="0" nodeType="withEffect">
+                                  <p:stCondLst>
+                                    <p:cond delay="0"/>
+                                  </p:stCondLst>
+                                  <p:childTnLst>
+                                    <p:set>
+                                      <p:cBhvr>
+                                        <p:cTn id="6" dur="1" fill="hold">
+                                          <p:stCondLst>
+                                            <p:cond delay="0"/>
+                                          </p:stCondLst>
+                                        </p:cTn>
+                                        <p:tgtEl>
+                                          <p:spTgt spid="11"/>
+                                        </p:tgtEl>
+                                        <p:attrNameLst>
+                                          <p:attrName>style.visibility</p:attrName>
+                                        </p:attrNameLst>
+                                      </p:cBhvr>
+                                      <p:to>
+                                        <p:strVal val="visible"/>
+                                      </p:to>
+                                    </p:set>
+                                  </p:childTnLst>
+                                </p:cTn>
+                              </p:par>
+                            </p:childTnLst>
+                          </p:cTn>
+                        </p:par>
+                      </p:childTnLst>
+                    </p:cTn>
+                  </p:par>
+                </p:childTnLst>
+              </p:cTn>
+              <p:prevCondLst>
+                <p:cond evt="onPrev" delay="0">
+                  <p:tgtEl>
+                    <p:sldTgt/>
+                  </p:tgtEl>
+                </p:cond>
+              </p:prevCondLst>
+              <p:nextCondLst>
+                <p:cond evt="onNext" delay="0">
+                  <p:tgtEl>
+                    <p:sldTgt/>
+                  </p:tgtEl>
+                </p:cond>
+              </p:nextCondLst>
+            </p:seq>
+          </p:childTnLst>
+        </p:cTn>
+      </p:par>
+    </p:tnLst>
+    <p:bldLst>
+      <p:bldP spid="11" grpId="0" animBg="1"/>
+    </p:bldLst>
+  </p:timing>
+</p:sld>
+</file>
+
+<file path=ppt/slides/slide4.xml><?xml version="1.0" encoding="utf-8"?>
+<p:sld xmlns:a="http://schemas.openxmlformats.org/drawingml/2006/main" xmlns:r="http://schemas.openxmlformats.org/officeDocument/2006/relationships" xmlns:p="http://schemas.openxmlformats.org/presentationml/2006/main">
+  <p:cSld>
+    <p:spTree>
+      <p:nvGrpSpPr>
+        <p:cNvPr id="1" name=""/>
+        <p:cNvGrpSpPr/>
+        <p:nvPr/>
+      </p:nvGrpSpPr>
+      <p:grpSpPr>
+        <a:xfrm>
+          <a:off x="0" y="0"/>
+          <a:ext cx="0" cy="0"/>
+          <a:chOff x="0" y="0"/>
+          <a:chExt cx="0" cy="0"/>
+        </a:xfrm>
+      </p:grpSpPr>
       <p:sp>
         <p:nvSpPr>
           <p:cNvPr id="3" name="内容占位符 2">
@@ -4010,7 +4656,9 @@
         </p:nvSpPr>
         <p:spPr/>
         <p:txBody>
-          <a:bodyPr/>
+          <a:bodyPr>
+            <a:normAutofit/>
+          </a:bodyPr>
           <a:lstStyle/>
           <a:p>
             <a:r>
@@ -4063,7 +4711,15 @@
           <a:p>
             <a:r>
               <a:rPr lang="zh-CN" altLang="en-US" dirty="0"/>
-              <a:t>可以自己选择左递归或右递归，但整个语法树应保持一致，都用左递归或右递归。</a:t>
+              <a:t>可以自己选择左递归或右递归，</a:t>
+            </a:r>
+            <a:r>
+              <a:rPr lang="zh-CN" altLang="en-US" strike="sngStrike" dirty="0"/>
+              <a:t>但整个语法树应保持一致，都用左递归或右递归。</a:t>
+            </a:r>
+            <a:r>
+              <a:rPr lang="zh-CN" altLang="en-US" dirty="0"/>
+              <a:t>不需要保持一致</a:t>
             </a:r>
             <a:endParaRPr lang="en-US" altLang="zh-CN" dirty="0"/>
           </a:p>
@@ -4350,7 +5006,7 @@
 </p:sld>
 </file>
 
-<file path=ppt/slides/slide4.xml><?xml version="1.0" encoding="utf-8"?>
+<file path=ppt/slides/slide5.xml><?xml version="1.0" encoding="utf-8"?>
 <p:sld xmlns:a="http://schemas.openxmlformats.org/drawingml/2006/main" xmlns:r="http://schemas.openxmlformats.org/officeDocument/2006/relationships" xmlns:p="http://schemas.openxmlformats.org/presentationml/2006/main">
   <p:cSld>
     <p:spTree>
@@ -4924,7 +5580,7 @@
 </p:sld>
 </file>
 
-<file path=ppt/slides/slide5.xml><?xml version="1.0" encoding="utf-8"?>
+<file path=ppt/slides/slide6.xml><?xml version="1.0" encoding="utf-8"?>
 <p:sld xmlns:a="http://schemas.openxmlformats.org/drawingml/2006/main" xmlns:r="http://schemas.openxmlformats.org/officeDocument/2006/relationships" xmlns:p="http://schemas.openxmlformats.org/presentationml/2006/main">
   <p:cSld>
     <p:spTree>
@@ -5465,7 +6121,7 @@
 </p:sld>
 </file>
 
-<file path=ppt/slides/slide6.xml><?xml version="1.0" encoding="utf-8"?>
+<file path=ppt/slides/slide7.xml><?xml version="1.0" encoding="utf-8"?>
 <p:sld xmlns:a="http://schemas.openxmlformats.org/drawingml/2006/main" xmlns:r="http://schemas.openxmlformats.org/officeDocument/2006/relationships" xmlns:p="http://schemas.openxmlformats.org/presentationml/2006/main">
   <p:cSld>
     <p:spTree>
@@ -6331,7 +6987,7 @@
 </p:sld>
 </file>
 
-<file path=ppt/slides/slide7.xml><?xml version="1.0" encoding="utf-8"?>
+<file path=ppt/slides/slide8.xml><?xml version="1.0" encoding="utf-8"?>
 <p:sld xmlns:a="http://schemas.openxmlformats.org/drawingml/2006/main" xmlns:r="http://schemas.openxmlformats.org/officeDocument/2006/relationships" xmlns:p="http://schemas.openxmlformats.org/presentationml/2006/main">
   <p:cSld>
     <p:spTree>
@@ -7146,137 +7802,6 @@
 </p:sld>
 </file>
 
-<file path=ppt/slides/slide8.xml><?xml version="1.0" encoding="utf-8"?>
-<p:sld xmlns:a="http://schemas.openxmlformats.org/drawingml/2006/main" xmlns:r="http://schemas.openxmlformats.org/officeDocument/2006/relationships" xmlns:p="http://schemas.openxmlformats.org/presentationml/2006/main">
-  <p:cSld>
-    <p:spTree>
-      <p:nvGrpSpPr>
-        <p:cNvPr id="1" name=""/>
-        <p:cNvGrpSpPr/>
-        <p:nvPr/>
-      </p:nvGrpSpPr>
-      <p:grpSpPr>
-        <a:xfrm>
-          <a:off x="0" y="0"/>
-          <a:ext cx="0" cy="0"/>
-          <a:chOff x="0" y="0"/>
-          <a:chExt cx="0" cy="0"/>
-        </a:xfrm>
-      </p:grpSpPr>
-      <p:sp>
-        <p:nvSpPr>
-          <p:cNvPr id="2" name="标题 1">
-            <a:extLst>
-              <a:ext uri="{FF2B5EF4-FFF2-40B4-BE49-F238E27FC236}">
-                <a16:creationId xmlns:a16="http://schemas.microsoft.com/office/drawing/2014/main" id="{B51DE2B8-77B5-435A-B506-F2AC7567E270}"/>
-              </a:ext>
-            </a:extLst>
-          </p:cNvPr>
-          <p:cNvSpPr>
-            <a:spLocks noGrp="1"/>
-          </p:cNvSpPr>
-          <p:nvPr>
-            <p:ph type="title"/>
-          </p:nvPr>
-        </p:nvSpPr>
-        <p:spPr/>
-        <p:txBody>
-          <a:bodyPr/>
-          <a:lstStyle/>
-          <a:p>
-            <a:r>
-              <a:rPr lang="zh-CN" altLang="en-US" dirty="0"/>
-              <a:t>其他注意事项</a:t>
-            </a:r>
-          </a:p>
-        </p:txBody>
-      </p:sp>
-      <p:sp>
-        <p:nvSpPr>
-          <p:cNvPr id="3" name="内容占位符 2">
-            <a:extLst>
-              <a:ext uri="{FF2B5EF4-FFF2-40B4-BE49-F238E27FC236}">
-                <a16:creationId xmlns:a16="http://schemas.microsoft.com/office/drawing/2014/main" id="{6A0ACF90-962C-4741-8CA0-3E84B80D562B}"/>
-              </a:ext>
-            </a:extLst>
-          </p:cNvPr>
-          <p:cNvSpPr>
-            <a:spLocks noGrp="1"/>
-          </p:cNvSpPr>
-          <p:nvPr>
-            <p:ph idx="1"/>
-          </p:nvPr>
-        </p:nvSpPr>
-        <p:spPr/>
-        <p:txBody>
-          <a:bodyPr/>
-          <a:lstStyle/>
-          <a:p>
-            <a:r>
-              <a:rPr lang="zh-CN" altLang="en-US" dirty="0"/>
-              <a:t>评测环境</a:t>
-            </a:r>
-            <a:endParaRPr lang="en-US" altLang="zh-CN" dirty="0"/>
-          </a:p>
-          <a:p>
-            <a:pPr lvl="1"/>
-            <a:r>
-              <a:rPr lang="en-US" altLang="zh-CN" dirty="0"/>
-              <a:t>flex 2.6.4</a:t>
-            </a:r>
-          </a:p>
-          <a:p>
-            <a:pPr lvl="1"/>
-            <a:r>
-              <a:rPr lang="en-US" altLang="zh-CN" dirty="0"/>
-              <a:t>bison (GNU Bison) 3.5.1</a:t>
-            </a:r>
-          </a:p>
-          <a:p>
-            <a:r>
-              <a:rPr lang="zh-CN" altLang="en-US" dirty="0"/>
-              <a:t>如果你使用的</a:t>
-            </a:r>
-            <a:r>
-              <a:rPr lang="en-US" altLang="zh-CN" dirty="0"/>
-              <a:t>flex</a:t>
-            </a:r>
-            <a:r>
-              <a:rPr lang="zh-CN" altLang="en-US" dirty="0"/>
-              <a:t>和</a:t>
-            </a:r>
-            <a:r>
-              <a:rPr lang="en-US" altLang="zh-CN" dirty="0"/>
-              <a:t>bison</a:t>
-            </a:r>
-            <a:r>
-              <a:rPr lang="zh-CN" altLang="en-US" dirty="0"/>
-              <a:t>版本与上述版本不相同，必须在</a:t>
-            </a:r>
-            <a:r>
-              <a:rPr lang="en-US" altLang="zh-CN" dirty="0"/>
-              <a:t>Readme</a:t>
-            </a:r>
-            <a:r>
-              <a:rPr lang="zh-CN" altLang="en-US" dirty="0"/>
-              <a:t>文件中注明你的版本号</a:t>
-            </a:r>
-          </a:p>
-        </p:txBody>
-      </p:sp>
-    </p:spTree>
-    <p:extLst>
-      <p:ext uri="{BB962C8B-B14F-4D97-AF65-F5344CB8AC3E}">
-        <p14:creationId xmlns:p14="http://schemas.microsoft.com/office/powerpoint/2010/main" val="4002896026"/>
-      </p:ext>
-    </p:extLst>
-  </p:cSld>
-  <p:clrMapOvr>
-    <a:masterClrMapping/>
-  </p:clrMapOvr>
-</p:sld>
-</file>
-
 <file path=ppt/slides/slide9.xml><?xml version="1.0" encoding="utf-8"?>
 <p:sld xmlns:a="http://schemas.openxmlformats.org/drawingml/2006/main" xmlns:r="http://schemas.openxmlformats.org/officeDocument/2006/relationships" xmlns:p="http://schemas.openxmlformats.org/presentationml/2006/main">
   <p:cSld>
@@ -7299,7 +7824,7 @@
           <p:cNvPr id="2" name="标题 1">
             <a:extLst>
               <a:ext uri="{FF2B5EF4-FFF2-40B4-BE49-F238E27FC236}">
-                <a16:creationId xmlns:a16="http://schemas.microsoft.com/office/drawing/2014/main" id="{5215D7A1-448E-4102-9669-55422961FDB6}"/>
+                <a16:creationId xmlns:a16="http://schemas.microsoft.com/office/drawing/2014/main" id="{B51DE2B8-77B5-435A-B506-F2AC7567E270}"/>
               </a:ext>
             </a:extLst>
           </p:cNvPr>
@@ -7316,119 +7841,89 @@
           <a:lstStyle/>
           <a:p>
             <a:r>
+              <a:rPr lang="zh-CN" altLang="en-US" dirty="0"/>
+              <a:t>其他注意事项</a:t>
+            </a:r>
+          </a:p>
+        </p:txBody>
+      </p:sp>
+      <p:sp>
+        <p:nvSpPr>
+          <p:cNvPr id="3" name="内容占位符 2">
+            <a:extLst>
+              <a:ext uri="{FF2B5EF4-FFF2-40B4-BE49-F238E27FC236}">
+                <a16:creationId xmlns:a16="http://schemas.microsoft.com/office/drawing/2014/main" id="{6A0ACF90-962C-4741-8CA0-3E84B80D562B}"/>
+              </a:ext>
+            </a:extLst>
+          </p:cNvPr>
+          <p:cNvSpPr>
+            <a:spLocks noGrp="1"/>
+          </p:cNvSpPr>
+          <p:nvPr>
+            <p:ph idx="1"/>
+          </p:nvPr>
+        </p:nvSpPr>
+        <p:spPr/>
+        <p:txBody>
+          <a:bodyPr/>
+          <a:lstStyle/>
+          <a:p>
+            <a:r>
+              <a:rPr lang="zh-CN" altLang="en-US" dirty="0"/>
+              <a:t>评测环境</a:t>
+            </a:r>
+            <a:endParaRPr lang="en-US" altLang="zh-CN" dirty="0"/>
+          </a:p>
+          <a:p>
+            <a:pPr lvl="1"/>
+            <a:r>
               <a:rPr lang="en-US" altLang="zh-CN" dirty="0"/>
-              <a:t>Thanks</a:t>
-            </a:r>
-            <a:endParaRPr lang="zh-CN" altLang="en-US" dirty="0"/>
-          </a:p>
-        </p:txBody>
-      </p:sp>
-      <p:pic>
-        <p:nvPicPr>
-          <p:cNvPr id="4" name="Picture 2" descr="https://raw.githubusercontent.com/ziyan-wang/ziyan-wang.github.io/master/icons/android-chrome-256x256.png">
-            <a:hlinkClick r:id="rId2"/>
-            <a:extLst>
-              <a:ext uri="{FF2B5EF4-FFF2-40B4-BE49-F238E27FC236}">
-                <a16:creationId xmlns:a16="http://schemas.microsoft.com/office/drawing/2014/main" id="{559B30F9-0027-400E-8677-836A8854538A}"/>
-              </a:ext>
-            </a:extLst>
-          </p:cNvPr>
-          <p:cNvPicPr>
-            <a:picLocks noChangeAspect="1" noChangeArrowheads="1"/>
-          </p:cNvPicPr>
-          <p:nvPr/>
-        </p:nvPicPr>
-        <p:blipFill>
-          <a:blip r:embed="rId3">
-            <a:extLst>
-              <a:ext uri="{28A0092B-C50C-407E-A947-70E740481C1C}">
-                <a14:useLocalDpi xmlns:a14="http://schemas.microsoft.com/office/drawing/2010/main" val="0"/>
-              </a:ext>
-            </a:extLst>
-          </a:blip>
-          <a:srcRect/>
-          <a:stretch>
-            <a:fillRect/>
-          </a:stretch>
-        </p:blipFill>
-        <p:spPr bwMode="auto">
-          <a:xfrm>
-            <a:off x="11145835" y="221609"/>
-            <a:ext cx="791697" cy="791697"/>
-          </a:xfrm>
-          <a:prstGeom prst="rect">
-            <a:avLst/>
-          </a:prstGeom>
-          <a:noFill/>
-          <a:extLst>
-            <a:ext uri="{909E8E84-426E-40DD-AFC4-6F175D3DCCD1}">
-              <a14:hiddenFill xmlns:a14="http://schemas.microsoft.com/office/drawing/2010/main">
-                <a:solidFill>
-                  <a:srgbClr val="FFFFFF"/>
-                </a:solidFill>
-              </a14:hiddenFill>
-            </a:ext>
-          </a:extLst>
-        </p:spPr>
-      </p:pic>
-      <p:sp>
-        <p:nvSpPr>
-          <p:cNvPr id="5" name="文本框 4">
-            <a:hlinkClick r:id="rId2"/>
-            <a:extLst>
-              <a:ext uri="{FF2B5EF4-FFF2-40B4-BE49-F238E27FC236}">
-                <a16:creationId xmlns:a16="http://schemas.microsoft.com/office/drawing/2014/main" id="{94665E27-F962-4B42-B224-51F0AD1F9FEB}"/>
-              </a:ext>
-            </a:extLst>
-          </p:cNvPr>
-          <p:cNvSpPr txBox="1"/>
-          <p:nvPr/>
-        </p:nvSpPr>
-        <p:spPr>
-          <a:xfrm>
-            <a:off x="10986444" y="1013306"/>
-            <a:ext cx="1118870" cy="261610"/>
-          </a:xfrm>
-          <a:prstGeom prst="rect">
-            <a:avLst/>
-          </a:prstGeom>
-          <a:noFill/>
-        </p:spPr>
-        <p:txBody>
-          <a:bodyPr wrap="square" rtlCol="0">
-            <a:spAutoFit/>
-          </a:bodyPr>
-          <a:lstStyle/>
-          <a:p>
-            <a:pPr algn="ctr"/>
-            <a:r>
-              <a:rPr lang="en-US" altLang="zh-CN" sz="1050" dirty="0" err="1">
-                <a:solidFill>
-                  <a:srgbClr val="7030A0"/>
-                </a:solidFill>
-              </a:rPr>
-              <a:t>Ziyan</a:t>
-            </a:r>
-            <a:r>
-              <a:rPr lang="en-US" altLang="zh-CN" sz="1050" dirty="0">
-                <a:solidFill>
-                  <a:srgbClr val="7030A0"/>
-                </a:solidFill>
-              </a:rPr>
-              <a:t> Wang</a:t>
-            </a:r>
-            <a:endParaRPr lang="zh-CN" altLang="en-US" sz="1050" dirty="0">
-              <a:solidFill>
-                <a:srgbClr val="7030A0"/>
-              </a:solidFill>
-            </a:endParaRPr>
+              <a:t>flex 2.6.4</a:t>
+            </a:r>
+          </a:p>
+          <a:p>
+            <a:pPr lvl="1"/>
+            <a:r>
+              <a:rPr lang="en-US" altLang="zh-CN" dirty="0"/>
+              <a:t>bison (GNU Bison) 3.5.1</a:t>
+            </a:r>
+          </a:p>
+          <a:p>
+            <a:r>
+              <a:rPr lang="zh-CN" altLang="en-US" dirty="0"/>
+              <a:t>如果你使用的</a:t>
+            </a:r>
+            <a:r>
+              <a:rPr lang="en-US" altLang="zh-CN" dirty="0"/>
+              <a:t>flex</a:t>
+            </a:r>
+            <a:r>
+              <a:rPr lang="zh-CN" altLang="en-US" dirty="0"/>
+              <a:t>和</a:t>
+            </a:r>
+            <a:r>
+              <a:rPr lang="en-US" altLang="zh-CN" dirty="0"/>
+              <a:t>bison</a:t>
+            </a:r>
+            <a:r>
+              <a:rPr lang="zh-CN" altLang="en-US" dirty="0"/>
+              <a:t>版本与上述版本不相同，必须在</a:t>
+            </a:r>
+            <a:r>
+              <a:rPr lang="en-US" altLang="zh-CN" dirty="0"/>
+              <a:t>Readme</a:t>
+            </a:r>
+            <a:r>
+              <a:rPr lang="zh-CN" altLang="en-US" dirty="0"/>
+              <a:t>文件中注明你的版本号</a:t>
+            </a:r>
           </a:p>
         </p:txBody>
       </p:sp>
     </p:spTree>
     <p:extLst>
       <p:ext uri="{BB962C8B-B14F-4D97-AF65-F5344CB8AC3E}">
-        <p14:creationId xmlns:p14="http://schemas.microsoft.com/office/powerpoint/2010/main" val="3611142734"/>
+        <p14:creationId xmlns:p14="http://schemas.microsoft.com/office/powerpoint/2010/main" val="4002896026"/>
       </p:ext>
     </p:extLst>
   </p:cSld>
